--- a/enterprise-grade-deployment-2019.pptx
+++ b/enterprise-grade-deployment-2019.pptx
@@ -27708,7 +27708,7 @@
           <a:graphicData uri="http://schemas.openxmlformats.org/presentationml/2006/ole">
             <mc:AlternateContent xmlns:mc="http://schemas.openxmlformats.org/markup-compatibility/2006">
               <mc:Choice xmlns:v="urn:schemas-microsoft-com:vml" Requires="v">
-                <p:oleObj spid="_x0000_s92283" name="Diapositive think-cell" r:id="rId5" imgW="421" imgH="423" progId="TCLayout.ActiveDocument.1">
+                <p:oleObj spid="_x0000_s92290" name="Diapositive think-cell" r:id="rId5" imgW="421" imgH="423" progId="TCLayout.ActiveDocument.1">
                   <p:embed/>
                 </p:oleObj>
               </mc:Choice>
@@ -28307,7 +28307,7 @@
           <a:graphicData uri="http://schemas.openxmlformats.org/presentationml/2006/ole">
             <mc:AlternateContent xmlns:mc="http://schemas.openxmlformats.org/markup-compatibility/2006">
               <mc:Choice xmlns:v="urn:schemas-microsoft-com:vml" Requires="v">
-                <p:oleObj spid="_x0000_s143403" name="Diapositive think-cell" r:id="rId6" imgW="421" imgH="423" progId="TCLayout.ActiveDocument.1">
+                <p:oleObj spid="_x0000_s143410" name="Diapositive think-cell" r:id="rId6" imgW="421" imgH="423" progId="TCLayout.ActiveDocument.1">
                   <p:embed/>
                 </p:oleObj>
               </mc:Choice>
@@ -29622,24 +29622,31 @@
           </a:p>
         </p:txBody>
       </p:sp>
-      <p:sp>
-        <p:nvSpPr>
-          <p:cNvPr id="3" name="Picture Placeholder 2">
+      <p:pic>
+        <p:nvPicPr>
+          <p:cNvPr id="5" name="Picture Placeholder 4" descr="A picture containing person, indoor, wheel, object&#10;&#10;Description automatically generated">
             <a:extLst>
               <a:ext uri="{FF2B5EF4-FFF2-40B4-BE49-F238E27FC236}">
-                <a16:creationId xmlns:a16="http://schemas.microsoft.com/office/drawing/2014/main" id="{171C3E3E-4E95-456F-A10B-8BEA14C1C4CD}"/>
+                <a16:creationId xmlns:a16="http://schemas.microsoft.com/office/drawing/2014/main" id="{31511718-F181-475B-890C-02C49DC5B047}"/>
               </a:ext>
             </a:extLst>
           </p:cNvPr>
-          <p:cNvSpPr>
-            <a:spLocks noGrp="1"/>
-          </p:cNvSpPr>
+          <p:cNvPicPr>
+            <a:picLocks noGrp="1" noChangeAspect="1"/>
+          </p:cNvPicPr>
           <p:nvPr>
             <p:ph type="pic" idx="1"/>
           </p:nvPr>
-        </p:nvSpPr>
+        </p:nvPicPr>
+        <p:blipFill>
+          <a:blip r:embed="rId2"/>
+          <a:srcRect l="22972" r="22972"/>
+          <a:stretch>
+            <a:fillRect/>
+          </a:stretch>
+        </p:blipFill>
         <p:spPr/>
-      </p:sp>
+      </p:pic>
     </p:spTree>
     <p:extLst>
       <p:ext uri="{BB962C8B-B14F-4D97-AF65-F5344CB8AC3E}">
@@ -29690,7 +29697,7 @@
           <a:graphicData uri="http://schemas.openxmlformats.org/presentationml/2006/ole">
             <mc:AlternateContent xmlns:mc="http://schemas.openxmlformats.org/markup-compatibility/2006">
               <mc:Choice xmlns:v="urn:schemas-microsoft-com:vml" Requires="v">
-                <p:oleObj spid="_x0000_s47232" name="Diapositive think-cell" r:id="rId5" imgW="421" imgH="423" progId="TCLayout.ActiveDocument.1">
+                <p:oleObj spid="_x0000_s47239" name="Diapositive think-cell" r:id="rId5" imgW="421" imgH="423" progId="TCLayout.ActiveDocument.1">
                   <p:embed/>
                 </p:oleObj>
               </mc:Choice>
@@ -31149,6 +31156,42 @@
             </a:r>
             <a:endParaRPr lang="en-US" dirty="0"/>
           </a:p>
+          <a:p>
+            <a:r>
+              <a:rPr lang="en-US" dirty="0">
+                <a:hlinkClick r:id="rId8"/>
+              </a:rPr>
+              <a:t>https://pixabay.com/photos/hands-clay-potter-pottery-1139098/</a:t>
+            </a:r>
+            <a:endParaRPr lang="en-US" dirty="0"/>
+          </a:p>
+          <a:p>
+            <a:r>
+              <a:rPr lang="en-US" dirty="0">
+                <a:hlinkClick r:id="rId9"/>
+              </a:rPr>
+              <a:t>https://www.redhat.com/en/topics/microservices/what-are-microservices</a:t>
+            </a:r>
+            <a:endParaRPr lang="en-US" dirty="0"/>
+          </a:p>
+          <a:p>
+            <a:r>
+              <a:rPr lang="en-US" dirty="0">
+                <a:hlinkClick r:id="rId10"/>
+              </a:rPr>
+              <a:t>https://github.com/vaquarkhan/vaquarkhan/wiki/Difference-between-scaling-horizontally-and-vertically</a:t>
+            </a:r>
+            <a:endParaRPr lang="en-US" dirty="0"/>
+          </a:p>
+          <a:p>
+            <a:r>
+              <a:rPr lang="en-US" dirty="0">
+                <a:hlinkClick r:id="rId11"/>
+              </a:rPr>
+              <a:t>https://svitla.com/blog/kubernetes-vs-docker</a:t>
+            </a:r>
+            <a:endParaRPr lang="en-US" dirty="0"/>
+          </a:p>
         </p:txBody>
       </p:sp>
     </p:spTree>
@@ -31611,7 +31654,7 @@
           <a:graphicData uri="http://schemas.openxmlformats.org/presentationml/2006/ole">
             <mc:AlternateContent xmlns:mc="http://schemas.openxmlformats.org/markup-compatibility/2006">
               <mc:Choice xmlns:v="urn:schemas-microsoft-com:vml" Requires="v">
-                <p:oleObj spid="_x0000_s141362" name="Diapositive think-cell" r:id="rId6" imgW="421" imgH="423" progId="TCLayout.ActiveDocument.1">
+                <p:oleObj spid="_x0000_s141369" name="Diapositive think-cell" r:id="rId6" imgW="421" imgH="423" progId="TCLayout.ActiveDocument.1">
                   <p:embed/>
                 </p:oleObj>
               </mc:Choice>
@@ -32287,7 +32330,7 @@
           <a:graphicData uri="http://schemas.openxmlformats.org/presentationml/2006/ole">
             <mc:AlternateContent xmlns:mc="http://schemas.openxmlformats.org/markup-compatibility/2006">
               <mc:Choice xmlns:v="urn:schemas-microsoft-com:vml" Requires="v">
-                <p:oleObj spid="_x0000_s142380" name="Diapositive think-cell" r:id="rId6" imgW="421" imgH="423" progId="TCLayout.ActiveDocument.1">
+                <p:oleObj spid="_x0000_s142387" name="Diapositive think-cell" r:id="rId6" imgW="421" imgH="423" progId="TCLayout.ActiveDocument.1">
                   <p:embed/>
                 </p:oleObj>
               </mc:Choice>
@@ -33303,9 +33346,12 @@
 </file>
 
 <file path=customXml/item1.xml><?xml version="1.0" encoding="utf-8"?>
-<p:properties xmlns:p="http://schemas.microsoft.com/office/2006/metadata/properties" xmlns:xsi="http://www.w3.org/2001/XMLSchema-instance" xmlns:pc="http://schemas.microsoft.com/office/infopath/2007/PartnerControls">
-  <documentManagement/>
-</p:properties>
+<?mso-contentType ?>
+<FormTemplates xmlns="http://schemas.microsoft.com/sharepoint/v3/contenttype/forms">
+  <Display>DocumentLibraryForm</Display>
+  <Edit>DocumentLibraryForm</Edit>
+  <New>DocumentLibraryForm</New>
+</FormTemplates>
 </file>
 
 <file path=customXml/item2.xml><?xml version="1.0" encoding="utf-8"?>
@@ -33473,26 +33519,15 @@
 </file>
 
 <file path=customXml/item3.xml><?xml version="1.0" encoding="utf-8"?>
-<?mso-contentType ?>
-<FormTemplates xmlns="http://schemas.microsoft.com/sharepoint/v3/contenttype/forms">
-  <Display>DocumentLibraryForm</Display>
-  <Edit>DocumentLibraryForm</Edit>
-  <New>DocumentLibraryForm</New>
-</FormTemplates>
+<p:properties xmlns:p="http://schemas.microsoft.com/office/2006/metadata/properties" xmlns:xsi="http://www.w3.org/2001/XMLSchema-instance" xmlns:pc="http://schemas.microsoft.com/office/infopath/2007/PartnerControls">
+  <documentManagement/>
+</p:properties>
 </file>
 
 <file path=customXml/itemProps1.xml><?xml version="1.0" encoding="utf-8"?>
-<ds:datastoreItem xmlns:ds="http://schemas.openxmlformats.org/officeDocument/2006/customXml" ds:itemID="{9482C44C-A80D-4577-ACF3-68366839A07A}">
+<ds:datastoreItem xmlns:ds="http://schemas.openxmlformats.org/officeDocument/2006/customXml" ds:itemID="{71F5EAB3-8807-4C45-B064-2A4F9EB2E2DA}">
   <ds:schemaRefs>
-    <ds:schemaRef ds:uri="http://purl.org/dc/terms/"/>
-    <ds:schemaRef ds:uri="http://schemas.openxmlformats.org/package/2006/metadata/core-properties"/>
-    <ds:schemaRef ds:uri="http://schemas.microsoft.com/office/2006/documentManagement/types"/>
-    <ds:schemaRef ds:uri="http://schemas.microsoft.com/office/infopath/2007/PartnerControls"/>
-    <ds:schemaRef ds:uri="http://purl.org/dc/elements/1.1/"/>
-    <ds:schemaRef ds:uri="http://schemas.microsoft.com/office/2006/metadata/properties"/>
-    <ds:schemaRef ds:uri="b7cf5ea5-dbd4-4264-9cbd-1657fe4f88b3"/>
-    <ds:schemaRef ds:uri="http://www.w3.org/XML/1998/namespace"/>
-    <ds:schemaRef ds:uri="http://purl.org/dc/dcmitype/"/>
+    <ds:schemaRef ds:uri="http://schemas.microsoft.com/sharepoint/v3/contenttype/forms"/>
   </ds:schemaRefs>
 </ds:datastoreItem>
 </file>
@@ -33516,9 +33551,17 @@
 </file>
 
 <file path=customXml/itemProps3.xml><?xml version="1.0" encoding="utf-8"?>
-<ds:datastoreItem xmlns:ds="http://schemas.openxmlformats.org/officeDocument/2006/customXml" ds:itemID="{71F5EAB3-8807-4C45-B064-2A4F9EB2E2DA}">
+<ds:datastoreItem xmlns:ds="http://schemas.openxmlformats.org/officeDocument/2006/customXml" ds:itemID="{9482C44C-A80D-4577-ACF3-68366839A07A}">
   <ds:schemaRefs>
-    <ds:schemaRef ds:uri="http://schemas.microsoft.com/sharepoint/v3/contenttype/forms"/>
+    <ds:schemaRef ds:uri="http://purl.org/dc/terms/"/>
+    <ds:schemaRef ds:uri="http://schemas.openxmlformats.org/package/2006/metadata/core-properties"/>
+    <ds:schemaRef ds:uri="http://schemas.microsoft.com/office/2006/documentManagement/types"/>
+    <ds:schemaRef ds:uri="http://schemas.microsoft.com/office/infopath/2007/PartnerControls"/>
+    <ds:schemaRef ds:uri="http://purl.org/dc/elements/1.1/"/>
+    <ds:schemaRef ds:uri="http://schemas.microsoft.com/office/2006/metadata/properties"/>
+    <ds:schemaRef ds:uri="b7cf5ea5-dbd4-4264-9cbd-1657fe4f88b3"/>
+    <ds:schemaRef ds:uri="http://www.w3.org/XML/1998/namespace"/>
+    <ds:schemaRef ds:uri="http://purl.org/dc/dcmitype/"/>
   </ds:schemaRefs>
 </ds:datastoreItem>
 </file>
--- a/enterprise-grade-deployment-2019.pptx
+++ b/enterprise-grade-deployment-2019.pptx
@@ -5,7 +5,7 @@
     <p:sldMasterId id="2147484101" r:id="rId4"/>
   </p:sldMasterIdLst>
   <p:notesMasterIdLst>
-    <p:notesMasterId r:id="rId30"/>
+    <p:notesMasterId r:id="rId29"/>
   </p:notesMasterIdLst>
   <p:sldIdLst>
     <p:sldId id="1676" r:id="rId5"/>
@@ -15,24 +15,23 @@
     <p:sldId id="1691" r:id="rId9"/>
     <p:sldId id="1692" r:id="rId10"/>
     <p:sldId id="1693" r:id="rId11"/>
-    <p:sldId id="1694" r:id="rId12"/>
-    <p:sldId id="1695" r:id="rId13"/>
-    <p:sldId id="1696" r:id="rId14"/>
-    <p:sldId id="1697" r:id="rId15"/>
-    <p:sldId id="1698" r:id="rId16"/>
-    <p:sldId id="1699" r:id="rId17"/>
-    <p:sldId id="1700" r:id="rId18"/>
-    <p:sldId id="1701" r:id="rId19"/>
-    <p:sldId id="1702" r:id="rId20"/>
-    <p:sldId id="1703" r:id="rId21"/>
-    <p:sldId id="1704" r:id="rId22"/>
-    <p:sldId id="1706" r:id="rId23"/>
-    <p:sldId id="1707" r:id="rId24"/>
-    <p:sldId id="1708" r:id="rId25"/>
-    <p:sldId id="1709" r:id="rId26"/>
-    <p:sldId id="1710" r:id="rId27"/>
-    <p:sldId id="1690" r:id="rId28"/>
-    <p:sldId id="1712" r:id="rId29"/>
+    <p:sldId id="1695" r:id="rId12"/>
+    <p:sldId id="1696" r:id="rId13"/>
+    <p:sldId id="1697" r:id="rId14"/>
+    <p:sldId id="1698" r:id="rId15"/>
+    <p:sldId id="1699" r:id="rId16"/>
+    <p:sldId id="1700" r:id="rId17"/>
+    <p:sldId id="1701" r:id="rId18"/>
+    <p:sldId id="1702" r:id="rId19"/>
+    <p:sldId id="1703" r:id="rId20"/>
+    <p:sldId id="1704" r:id="rId21"/>
+    <p:sldId id="1706" r:id="rId22"/>
+    <p:sldId id="1707" r:id="rId23"/>
+    <p:sldId id="1708" r:id="rId24"/>
+    <p:sldId id="1709" r:id="rId25"/>
+    <p:sldId id="1710" r:id="rId26"/>
+    <p:sldId id="1690" r:id="rId27"/>
+    <p:sldId id="1712" r:id="rId28"/>
   </p:sldIdLst>
   <p:sldSz cx="12192000" cy="6858000"/>
   <p:notesSz cx="6858000" cy="9144000"/>
@@ -224,7 +223,7 @@
           <a:p>
             <a:fld id="{B73D0645-6491-924B-B0B0-6CE4C12E675E}" type="datetimeFigureOut">
               <a:rPr lang="en-US" smtClean="0"/>
-              <a:t>10-Oct-19</a:t>
+              <a:t>11-Oct-19</a:t>
             </a:fld>
             <a:endParaRPr lang="en-US"/>
           </a:p>
@@ -808,7 +807,7 @@
           <a:p>
             <a:fld id="{3FE9D6F5-C3A7-42A2-86ED-A4BB6579E1A2}" type="slidenum">
               <a:rPr lang="en-US" smtClean="0"/>
-              <a:t>9</a:t>
+              <a:t>8</a:t>
             </a:fld>
             <a:endParaRPr lang="en-US" dirty="0"/>
           </a:p>
@@ -892,7 +891,7 @@
           <a:p>
             <a:fld id="{3FE9D6F5-C3A7-42A2-86ED-A4BB6579E1A2}" type="slidenum">
               <a:rPr lang="en-US" smtClean="0"/>
-              <a:t>11</a:t>
+              <a:t>10</a:t>
             </a:fld>
             <a:endParaRPr lang="en-US" dirty="0"/>
           </a:p>
@@ -23131,7 +23130,7 @@
           <a:p>
             <a:fld id="{1D8BD707-D9CF-40AE-B4C6-C98DA3205C09}" type="datetimeFigureOut">
               <a:rPr lang="en-US"/>
-              <a:t>10-Oct-19</a:t>
+              <a:t>11-Oct-19</a:t>
             </a:fld>
             <a:endParaRPr lang="en-US"/>
           </a:p>
@@ -27708,7 +27707,7 @@
           <a:graphicData uri="http://schemas.openxmlformats.org/presentationml/2006/ole">
             <mc:AlternateContent xmlns:mc="http://schemas.openxmlformats.org/markup-compatibility/2006">
               <mc:Choice xmlns:v="urn:schemas-microsoft-com:vml" Requires="v">
-                <p:oleObj spid="_x0000_s92290" name="Diapositive think-cell" r:id="rId5" imgW="421" imgH="423" progId="TCLayout.ActiveDocument.1">
+                <p:oleObj spid="_x0000_s92295" name="Diapositive think-cell" r:id="rId5" imgW="421" imgH="423" progId="TCLayout.ActiveDocument.1">
                   <p:embed/>
                 </p:oleObj>
               </mc:Choice>
@@ -28144,133 +28143,6 @@
 </file>
 
 <file path=ppt/slides/slide10.xml><?xml version="1.0" encoding="utf-8"?>
-<p:sld xmlns:a="http://schemas.openxmlformats.org/drawingml/2006/main" xmlns:r="http://schemas.openxmlformats.org/officeDocument/2006/relationships" xmlns:p="http://schemas.openxmlformats.org/presentationml/2006/main">
-  <p:cSld>
-    <p:spTree>
-      <p:nvGrpSpPr>
-        <p:cNvPr id="1" name=""/>
-        <p:cNvGrpSpPr/>
-        <p:nvPr/>
-      </p:nvGrpSpPr>
-      <p:grpSpPr>
-        <a:xfrm>
-          <a:off x="0" y="0"/>
-          <a:ext cx="0" cy="0"/>
-          <a:chOff x="0" y="0"/>
-          <a:chExt cx="0" cy="0"/>
-        </a:xfrm>
-      </p:grpSpPr>
-      <p:sp>
-        <p:nvSpPr>
-          <p:cNvPr id="2" name="Title 1">
-            <a:extLst>
-              <a:ext uri="{FF2B5EF4-FFF2-40B4-BE49-F238E27FC236}">
-                <a16:creationId xmlns:a16="http://schemas.microsoft.com/office/drawing/2014/main" id="{4ECF6116-EF17-4C19-872D-6883A8AF71A7}"/>
-              </a:ext>
-            </a:extLst>
-          </p:cNvPr>
-          <p:cNvSpPr>
-            <a:spLocks noGrp="1"/>
-          </p:cNvSpPr>
-          <p:nvPr>
-            <p:ph type="title"/>
-          </p:nvPr>
-        </p:nvSpPr>
-        <p:spPr/>
-        <p:txBody>
-          <a:bodyPr/>
-          <a:lstStyle/>
-          <a:p>
-            <a:r>
-              <a:rPr lang="en-US" dirty="0"/>
-              <a:t>Container orchestration</a:t>
-            </a:r>
-          </a:p>
-        </p:txBody>
-      </p:sp>
-      <p:sp>
-        <p:nvSpPr>
-          <p:cNvPr id="3" name="Text Placeholder 2">
-            <a:extLst>
-              <a:ext uri="{FF2B5EF4-FFF2-40B4-BE49-F238E27FC236}">
-                <a16:creationId xmlns:a16="http://schemas.microsoft.com/office/drawing/2014/main" id="{CD8A2A60-A666-453E-8478-9393E4946D2D}"/>
-              </a:ext>
-            </a:extLst>
-          </p:cNvPr>
-          <p:cNvSpPr>
-            <a:spLocks noGrp="1"/>
-          </p:cNvSpPr>
-          <p:nvPr>
-            <p:ph type="body" sz="quarter" idx="17"/>
-          </p:nvPr>
-        </p:nvSpPr>
-        <p:spPr/>
-        <p:txBody>
-          <a:bodyPr>
-            <a:normAutofit/>
-          </a:bodyPr>
-          <a:lstStyle/>
-          <a:p>
-            <a:r>
-              <a:rPr lang="en-US" sz="2800" dirty="0"/>
-              <a:t>Run and control more containers simultaneously</a:t>
-            </a:r>
-          </a:p>
-          <a:p>
-            <a:endParaRPr lang="en-US" sz="2800" dirty="0"/>
-          </a:p>
-          <a:p>
-            <a:r>
-              <a:rPr lang="en-US" sz="2800" dirty="0"/>
-              <a:t>Maintenance of application cluster state</a:t>
-            </a:r>
-          </a:p>
-          <a:p>
-            <a:endParaRPr lang="en-US" sz="2800" dirty="0"/>
-          </a:p>
-          <a:p>
-            <a:r>
-              <a:rPr lang="en-US" sz="2800" dirty="0"/>
-              <a:t>Examples</a:t>
-            </a:r>
-          </a:p>
-          <a:p>
-            <a:pPr lvl="1"/>
-            <a:r>
-              <a:rPr lang="en-US" sz="2800" dirty="0"/>
-              <a:t>Docker Compose</a:t>
-            </a:r>
-          </a:p>
-          <a:p>
-            <a:pPr lvl="1"/>
-            <a:r>
-              <a:rPr lang="en-US" sz="2800" dirty="0"/>
-              <a:t>Docker Swarm</a:t>
-            </a:r>
-          </a:p>
-          <a:p>
-            <a:pPr lvl="1"/>
-            <a:r>
-              <a:rPr lang="en-US" sz="2800" dirty="0"/>
-              <a:t>Kubernetes/OpenShift</a:t>
-            </a:r>
-          </a:p>
-        </p:txBody>
-      </p:sp>
-    </p:spTree>
-    <p:extLst>
-      <p:ext uri="{BB962C8B-B14F-4D97-AF65-F5344CB8AC3E}">
-        <p14:creationId xmlns:p14="http://schemas.microsoft.com/office/powerpoint/2010/main" val="4247465480"/>
-      </p:ext>
-    </p:extLst>
-  </p:cSld>
-  <p:clrMapOvr>
-    <a:masterClrMapping/>
-  </p:clrMapOvr>
-</p:sld>
-</file>
-
-<file path=ppt/slides/slide11.xml><?xml version="1.0" encoding="utf-8"?>
 <p:sld xmlns:a="http://schemas.openxmlformats.org/drawingml/2006/main" xmlns:r="http://schemas.openxmlformats.org/officeDocument/2006/relationships" xmlns:p="http://schemas.openxmlformats.org/presentationml/2006/main">
   <p:cSld>
     <p:spTree>
@@ -28307,7 +28179,7 @@
           <a:graphicData uri="http://schemas.openxmlformats.org/presentationml/2006/ole">
             <mc:AlternateContent xmlns:mc="http://schemas.openxmlformats.org/markup-compatibility/2006">
               <mc:Choice xmlns:v="urn:schemas-microsoft-com:vml" Requires="v">
-                <p:oleObj spid="_x0000_s143410" name="Diapositive think-cell" r:id="rId6" imgW="421" imgH="423" progId="TCLayout.ActiveDocument.1">
+                <p:oleObj spid="_x0000_s143415" name="Diapositive think-cell" r:id="rId6" imgW="421" imgH="423" progId="TCLayout.ActiveDocument.1">
                   <p:embed/>
                 </p:oleObj>
               </mc:Choice>
@@ -28756,7 +28628,7 @@
 </p:sld>
 </file>
 
-<file path=ppt/slides/slide12.xml><?xml version="1.0" encoding="utf-8"?>
+<file path=ppt/slides/slide11.xml><?xml version="1.0" encoding="utf-8"?>
 <p:sld xmlns:a="http://schemas.openxmlformats.org/drawingml/2006/main" xmlns:r="http://schemas.openxmlformats.org/officeDocument/2006/relationships" xmlns:p="http://schemas.openxmlformats.org/presentationml/2006/main">
   <p:cSld>
     <p:spTree>
@@ -28852,7 +28724,7 @@
 </p:sld>
 </file>
 
-<file path=ppt/slides/slide13.xml><?xml version="1.0" encoding="utf-8"?>
+<file path=ppt/slides/slide12.xml><?xml version="1.0" encoding="utf-8"?>
 <p:sld xmlns:a="http://schemas.openxmlformats.org/drawingml/2006/main" xmlns:r="http://schemas.openxmlformats.org/officeDocument/2006/relationships" xmlns:p="http://schemas.openxmlformats.org/presentationml/2006/main">
   <p:cSld>
     <p:spTree>
@@ -28948,7 +28820,7 @@
 </p:sld>
 </file>
 
-<file path=ppt/slides/slide14.xml><?xml version="1.0" encoding="utf-8"?>
+<file path=ppt/slides/slide13.xml><?xml version="1.0" encoding="utf-8"?>
 <p:sld xmlns:a="http://schemas.openxmlformats.org/drawingml/2006/main" xmlns:r="http://schemas.openxmlformats.org/officeDocument/2006/relationships" xmlns:p="http://schemas.openxmlformats.org/presentationml/2006/main">
   <p:cSld>
     <p:spTree>
@@ -29084,7 +28956,7 @@
 </p:sld>
 </file>
 
-<file path=ppt/slides/slide15.xml><?xml version="1.0" encoding="utf-8"?>
+<file path=ppt/slides/slide14.xml><?xml version="1.0" encoding="utf-8"?>
 <p:sld xmlns:a="http://schemas.openxmlformats.org/drawingml/2006/main" xmlns:r="http://schemas.openxmlformats.org/officeDocument/2006/relationships" xmlns:p="http://schemas.openxmlformats.org/presentationml/2006/main">
   <p:cSld>
     <p:spTree>
@@ -29219,7 +29091,7 @@
 </p:sld>
 </file>
 
-<file path=ppt/slides/slide16.xml><?xml version="1.0" encoding="utf-8"?>
+<file path=ppt/slides/slide15.xml><?xml version="1.0" encoding="utf-8"?>
 <p:sld xmlns:a="http://schemas.openxmlformats.org/drawingml/2006/main" xmlns:r="http://schemas.openxmlformats.org/officeDocument/2006/relationships" xmlns:p="http://schemas.openxmlformats.org/presentationml/2006/main">
   <p:cSld>
     <p:spTree>
@@ -29337,7 +29209,7 @@
 </p:sld>
 </file>
 
-<file path=ppt/slides/slide17.xml><?xml version="1.0" encoding="utf-8"?>
+<file path=ppt/slides/slide16.xml><?xml version="1.0" encoding="utf-8"?>
 <p:sld xmlns:a="http://schemas.openxmlformats.org/drawingml/2006/main" xmlns:r="http://schemas.openxmlformats.org/officeDocument/2006/relationships" xmlns:p="http://schemas.openxmlformats.org/presentationml/2006/main">
   <p:cSld>
     <p:spTree>
@@ -29433,7 +29305,7 @@
 </p:sld>
 </file>
 
-<file path=ppt/slides/slide18.xml><?xml version="1.0" encoding="utf-8"?>
+<file path=ppt/slides/slide17.xml><?xml version="1.0" encoding="utf-8"?>
 <p:sld xmlns:a="http://schemas.openxmlformats.org/drawingml/2006/main" xmlns:r="http://schemas.openxmlformats.org/officeDocument/2006/relationships" xmlns:p="http://schemas.openxmlformats.org/presentationml/2006/main">
   <p:cSld>
     <p:spTree>
@@ -29577,7 +29449,7 @@
 </p:sld>
 </file>
 
-<file path=ppt/slides/slide19.xml><?xml version="1.0" encoding="utf-8"?>
+<file path=ppt/slides/slide18.xml><?xml version="1.0" encoding="utf-8"?>
 <p:sld xmlns:a="http://schemas.openxmlformats.org/drawingml/2006/main" xmlns:r="http://schemas.openxmlformats.org/officeDocument/2006/relationships" xmlns:p="http://schemas.openxmlformats.org/presentationml/2006/main">
   <p:cSld>
     <p:spTree>
@@ -29651,6 +29523,96 @@
     <p:extLst>
       <p:ext uri="{BB962C8B-B14F-4D97-AF65-F5344CB8AC3E}">
         <p14:creationId xmlns:p14="http://schemas.microsoft.com/office/powerpoint/2010/main" val="2245755273"/>
+      </p:ext>
+    </p:extLst>
+  </p:cSld>
+  <p:clrMapOvr>
+    <a:masterClrMapping/>
+  </p:clrMapOvr>
+</p:sld>
+</file>
+
+<file path=ppt/slides/slide19.xml><?xml version="1.0" encoding="utf-8"?>
+<p:sld xmlns:a="http://schemas.openxmlformats.org/drawingml/2006/main" xmlns:r="http://schemas.openxmlformats.org/officeDocument/2006/relationships" xmlns:p="http://schemas.openxmlformats.org/presentationml/2006/main">
+  <p:cSld>
+    <p:spTree>
+      <p:nvGrpSpPr>
+        <p:cNvPr id="1" name=""/>
+        <p:cNvGrpSpPr/>
+        <p:nvPr/>
+      </p:nvGrpSpPr>
+      <p:grpSpPr>
+        <a:xfrm>
+          <a:off x="0" y="0"/>
+          <a:ext cx="0" cy="0"/>
+          <a:chOff x="0" y="0"/>
+          <a:chExt cx="0" cy="0"/>
+        </a:xfrm>
+      </p:grpSpPr>
+      <p:sp>
+        <p:nvSpPr>
+          <p:cNvPr id="2" name="Title 1">
+            <a:extLst>
+              <a:ext uri="{FF2B5EF4-FFF2-40B4-BE49-F238E27FC236}">
+                <a16:creationId xmlns:a16="http://schemas.microsoft.com/office/drawing/2014/main" id="{CEAE00E0-E527-48BB-B5A1-411BBCF9CD91}"/>
+              </a:ext>
+            </a:extLst>
+          </p:cNvPr>
+          <p:cNvSpPr>
+            <a:spLocks noGrp="1"/>
+          </p:cNvSpPr>
+          <p:nvPr>
+            <p:ph type="title"/>
+          </p:nvPr>
+        </p:nvSpPr>
+        <p:spPr/>
+        <p:txBody>
+          <a:bodyPr/>
+          <a:lstStyle/>
+          <a:p>
+            <a:r>
+              <a:rPr lang="en-US" dirty="0"/>
+              <a:t>Kubernetes</a:t>
+            </a:r>
+            <a:br>
+              <a:rPr lang="en-US" dirty="0"/>
+            </a:br>
+            <a:r>
+              <a:rPr lang="en-US" dirty="0"/>
+              <a:t>Operators</a:t>
+            </a:r>
+          </a:p>
+        </p:txBody>
+      </p:sp>
+      <p:pic>
+        <p:nvPicPr>
+          <p:cNvPr id="7" name="Picture Placeholder 6" descr="A picture containing outdoor, sitting, white, table&#10;&#10;Description automatically generated">
+            <a:extLst>
+              <a:ext uri="{FF2B5EF4-FFF2-40B4-BE49-F238E27FC236}">
+                <a16:creationId xmlns:a16="http://schemas.microsoft.com/office/drawing/2014/main" id="{DF59BA97-539D-42BB-B646-69BC3C05D131}"/>
+              </a:ext>
+            </a:extLst>
+          </p:cNvPr>
+          <p:cNvPicPr>
+            <a:picLocks noGrp="1" noChangeAspect="1"/>
+          </p:cNvPicPr>
+          <p:nvPr>
+            <p:ph type="pic" idx="1"/>
+          </p:nvPr>
+        </p:nvPicPr>
+        <p:blipFill>
+          <a:blip r:embed="rId2"/>
+          <a:srcRect l="13912" r="13912"/>
+          <a:stretch>
+            <a:fillRect/>
+          </a:stretch>
+        </p:blipFill>
+        <p:spPr/>
+      </p:pic>
+    </p:spTree>
+    <p:extLst>
+      <p:ext uri="{BB962C8B-B14F-4D97-AF65-F5344CB8AC3E}">
+        <p14:creationId xmlns:p14="http://schemas.microsoft.com/office/powerpoint/2010/main" val="352080734"/>
       </p:ext>
     </p:extLst>
   </p:cSld>
@@ -29697,7 +29659,7 @@
           <a:graphicData uri="http://schemas.openxmlformats.org/presentationml/2006/ole">
             <mc:AlternateContent xmlns:mc="http://schemas.openxmlformats.org/markup-compatibility/2006">
               <mc:Choice xmlns:v="urn:schemas-microsoft-com:vml" Requires="v">
-                <p:oleObj spid="_x0000_s47239" name="Diapositive think-cell" r:id="rId5" imgW="421" imgH="423" progId="TCLayout.ActiveDocument.1">
+                <p:oleObj spid="_x0000_s47244" name="Diapositive think-cell" r:id="rId5" imgW="421" imgH="423" progId="TCLayout.ActiveDocument.1">
                   <p:embed/>
                 </p:oleObj>
               </mc:Choice>
@@ -30428,7 +30390,7 @@
           <p:cNvPr id="2" name="Title 1">
             <a:extLst>
               <a:ext uri="{FF2B5EF4-FFF2-40B4-BE49-F238E27FC236}">
-                <a16:creationId xmlns:a16="http://schemas.microsoft.com/office/drawing/2014/main" id="{CEAE00E0-E527-48BB-B5A1-411BBCF9CD91}"/>
+                <a16:creationId xmlns:a16="http://schemas.microsoft.com/office/drawing/2014/main" id="{8E135B97-ADA9-4EC9-AA3D-356131789A84}"/>
               </a:ext>
             </a:extLst>
           </p:cNvPr>
@@ -30446,47 +30408,88 @@
           <a:p>
             <a:r>
               <a:rPr lang="en-US" dirty="0"/>
-              <a:t>Kubernetes</a:t>
-            </a:r>
-            <a:br>
-              <a:rPr lang="en-US" dirty="0"/>
-            </a:br>
-            <a:r>
-              <a:rPr lang="en-US" dirty="0"/>
-              <a:t>Operators</a:t>
-            </a:r>
-          </a:p>
-        </p:txBody>
-      </p:sp>
-      <p:pic>
-        <p:nvPicPr>
-          <p:cNvPr id="7" name="Picture Placeholder 6" descr="A picture containing outdoor, sitting, white, table&#10;&#10;Description automatically generated">
+              <a:t>Kubernetes operators</a:t>
+            </a:r>
+          </a:p>
+        </p:txBody>
+      </p:sp>
+      <p:sp>
+        <p:nvSpPr>
+          <p:cNvPr id="3" name="Text Placeholder 2">
             <a:extLst>
               <a:ext uri="{FF2B5EF4-FFF2-40B4-BE49-F238E27FC236}">
-                <a16:creationId xmlns:a16="http://schemas.microsoft.com/office/drawing/2014/main" id="{DF59BA97-539D-42BB-B646-69BC3C05D131}"/>
+                <a16:creationId xmlns:a16="http://schemas.microsoft.com/office/drawing/2014/main" id="{EEA921EB-A0FC-4F32-A69F-07921A062E1F}"/>
               </a:ext>
             </a:extLst>
           </p:cNvPr>
-          <p:cNvPicPr>
-            <a:picLocks noGrp="1" noChangeAspect="1"/>
-          </p:cNvPicPr>
+          <p:cNvSpPr>
+            <a:spLocks noGrp="1"/>
+          </p:cNvSpPr>
           <p:nvPr>
-            <p:ph type="pic" idx="1"/>
+            <p:ph type="body" sz="quarter" idx="17"/>
           </p:nvPr>
-        </p:nvPicPr>
-        <p:blipFill>
-          <a:blip r:embed="rId2"/>
-          <a:srcRect l="13912" r="13912"/>
-          <a:stretch>
-            <a:fillRect/>
-          </a:stretch>
-        </p:blipFill>
+        </p:nvSpPr>
         <p:spPr/>
-      </p:pic>
+        <p:txBody>
+          <a:bodyPr>
+            <a:normAutofit/>
+          </a:bodyPr>
+          <a:lstStyle/>
+          <a:p>
+            <a:r>
+              <a:rPr lang="en-US" sz="2800" dirty="0"/>
+              <a:t>Extensions of k8s/OpenShift API</a:t>
+            </a:r>
+          </a:p>
+          <a:p>
+            <a:r>
+              <a:rPr lang="en-US" sz="2800" dirty="0"/>
+              <a:t>Operator framework</a:t>
+            </a:r>
+          </a:p>
+          <a:p>
+            <a:pPr lvl="1"/>
+            <a:r>
+              <a:rPr lang="en-US" sz="2800" dirty="0">
+                <a:hlinkClick r:id="rId2"/>
+              </a:rPr>
+              <a:t>https://github.com/operator-framework/operator-sdk</a:t>
+            </a:r>
+            <a:endParaRPr lang="en-US" sz="2800" dirty="0"/>
+          </a:p>
+          <a:p>
+            <a:pPr lvl="1"/>
+            <a:r>
+              <a:rPr lang="en-US" sz="2800" dirty="0"/>
+              <a:t>Go language</a:t>
+            </a:r>
+          </a:p>
+          <a:p>
+            <a:pPr lvl="1"/>
+            <a:r>
+              <a:rPr lang="en-US" sz="2800" dirty="0"/>
+              <a:t>Testing</a:t>
+            </a:r>
+          </a:p>
+          <a:p>
+            <a:r>
+              <a:rPr lang="en-US" sz="2800" dirty="0"/>
+              <a:t>Autopilot of application</a:t>
+            </a:r>
+          </a:p>
+          <a:p>
+            <a:pPr lvl="1"/>
+            <a:r>
+              <a:rPr lang="en-US" sz="2800" dirty="0"/>
+              <a:t>Installation, upgrades, restore, backups, auto scaling, self repair…</a:t>
+            </a:r>
+          </a:p>
+        </p:txBody>
+      </p:sp>
     </p:spTree>
     <p:extLst>
       <p:ext uri="{BB962C8B-B14F-4D97-AF65-F5344CB8AC3E}">
-        <p14:creationId xmlns:p14="http://schemas.microsoft.com/office/powerpoint/2010/main" val="352080734"/>
+        <p14:creationId xmlns:p14="http://schemas.microsoft.com/office/powerpoint/2010/main" val="2181049719"/>
       </p:ext>
     </p:extLst>
   </p:cSld>
@@ -30518,7 +30521,7 @@
           <p:cNvPr id="2" name="Title 1">
             <a:extLst>
               <a:ext uri="{FF2B5EF4-FFF2-40B4-BE49-F238E27FC236}">
-                <a16:creationId xmlns:a16="http://schemas.microsoft.com/office/drawing/2014/main" id="{8E135B97-ADA9-4EC9-AA3D-356131789A84}"/>
+                <a16:creationId xmlns:a16="http://schemas.microsoft.com/office/drawing/2014/main" id="{8F2CC898-38E0-48D0-A402-76889FEF8D9B}"/>
               </a:ext>
             </a:extLst>
           </p:cNvPr>
@@ -30536,7 +30539,7 @@
           <a:p>
             <a:r>
               <a:rPr lang="en-US" dirty="0"/>
-              <a:t>Kubernetes operators</a:t>
+              <a:t>Operators</a:t>
             </a:r>
           </a:p>
         </p:txBody>
@@ -30546,7 +30549,7 @@
           <p:cNvPr id="3" name="Text Placeholder 2">
             <a:extLst>
               <a:ext uri="{FF2B5EF4-FFF2-40B4-BE49-F238E27FC236}">
-                <a16:creationId xmlns:a16="http://schemas.microsoft.com/office/drawing/2014/main" id="{EEA921EB-A0FC-4F32-A69F-07921A062E1F}"/>
+                <a16:creationId xmlns:a16="http://schemas.microsoft.com/office/drawing/2014/main" id="{DB6E9FEF-0FB6-4D66-82A4-04FCABE319B8}"/>
               </a:ext>
             </a:extLst>
           </p:cNvPr>
@@ -30565,14 +30568,55 @@
           <a:lstStyle/>
           <a:p>
             <a:r>
+              <a:rPr lang="en-US" sz="2800" dirty="0" err="1"/>
+              <a:t>CustomResource</a:t>
+            </a:r>
+            <a:r>
               <a:rPr lang="en-US" sz="2800" dirty="0"/>
-              <a:t>Extensions of k8s/OpenShift API</a:t>
-            </a:r>
+              <a:t> of OpenShift</a:t>
+            </a:r>
+          </a:p>
+          <a:p>
+            <a:endParaRPr lang="en-US" sz="2800" dirty="0"/>
           </a:p>
           <a:p>
             <a:r>
               <a:rPr lang="en-US" sz="2800" dirty="0"/>
-              <a:t>Operator framework</a:t>
+              <a:t>Control loop</a:t>
+            </a:r>
+          </a:p>
+          <a:p>
+            <a:pPr lvl="1"/>
+            <a:r>
+              <a:rPr lang="en-US" sz="2800" dirty="0"/>
+              <a:t>Watch on objects</a:t>
+            </a:r>
+          </a:p>
+          <a:p>
+            <a:pPr lvl="1"/>
+            <a:r>
+              <a:rPr lang="en-US" sz="2800" dirty="0" err="1"/>
+              <a:t>OnChange</a:t>
+            </a:r>
+            <a:r>
+              <a:rPr lang="en-US" sz="2800" dirty="0"/>
+              <a:t>: analyze difference between actual and desired state</a:t>
+            </a:r>
+          </a:p>
+          <a:p>
+            <a:pPr lvl="1"/>
+            <a:r>
+              <a:rPr lang="en-US" sz="2800" dirty="0"/>
+              <a:t>Act on changes</a:t>
+            </a:r>
+          </a:p>
+          <a:p>
+            <a:endParaRPr lang="en-US" sz="2800" dirty="0"/>
+          </a:p>
+          <a:p>
+            <a:r>
+              <a:rPr lang="en-US" sz="2800" dirty="0"/>
+              <a:t>Example</a:t>
             </a:r>
           </a:p>
           <a:p>
@@ -30581,43 +30625,16 @@
               <a:rPr lang="en-US" sz="2800" dirty="0">
                 <a:hlinkClick r:id="rId2"/>
               </a:rPr>
-              <a:t>https://github.com/operator-framework/operator-sdk</a:t>
+              <a:t>https://github.com/operator-framework/operator-sdk-samples/tree/master/memcached-operator</a:t>
             </a:r>
             <a:endParaRPr lang="en-US" sz="2800" dirty="0"/>
-          </a:p>
-          <a:p>
-            <a:pPr lvl="1"/>
-            <a:r>
-              <a:rPr lang="en-US" sz="2800" dirty="0"/>
-              <a:t>Go language</a:t>
-            </a:r>
-          </a:p>
-          <a:p>
-            <a:pPr lvl="1"/>
-            <a:r>
-              <a:rPr lang="en-US" sz="2800" dirty="0"/>
-              <a:t>Testing</a:t>
-            </a:r>
-          </a:p>
-          <a:p>
-            <a:r>
-              <a:rPr lang="en-US" sz="2800" dirty="0"/>
-              <a:t>Autopilot of application</a:t>
-            </a:r>
-          </a:p>
-          <a:p>
-            <a:pPr lvl="1"/>
-            <a:r>
-              <a:rPr lang="en-US" sz="2800" dirty="0"/>
-              <a:t>Installation, upgrades, restore, backups, auto scaling, self repair…</a:t>
-            </a:r>
           </a:p>
         </p:txBody>
       </p:sp>
     </p:spTree>
     <p:extLst>
       <p:ext uri="{BB962C8B-B14F-4D97-AF65-F5344CB8AC3E}">
-        <p14:creationId xmlns:p14="http://schemas.microsoft.com/office/powerpoint/2010/main" val="2181049719"/>
+        <p14:creationId xmlns:p14="http://schemas.microsoft.com/office/powerpoint/2010/main" val="2809467079"/>
       </p:ext>
     </p:extLst>
   </p:cSld>
@@ -30649,7 +30666,7 @@
           <p:cNvPr id="2" name="Title 1">
             <a:extLst>
               <a:ext uri="{FF2B5EF4-FFF2-40B4-BE49-F238E27FC236}">
-                <a16:creationId xmlns:a16="http://schemas.microsoft.com/office/drawing/2014/main" id="{8F2CC898-38E0-48D0-A402-76889FEF8D9B}"/>
+                <a16:creationId xmlns:a16="http://schemas.microsoft.com/office/drawing/2014/main" id="{4A7387A9-3CC8-4634-9DFE-5D5E096C6592}"/>
               </a:ext>
             </a:extLst>
           </p:cNvPr>
@@ -30667,7 +30684,7 @@
           <a:p>
             <a:r>
               <a:rPr lang="en-US" dirty="0"/>
-              <a:t>Operators</a:t>
+              <a:t>Summary</a:t>
             </a:r>
           </a:p>
         </p:txBody>
@@ -30677,7 +30694,7 @@
           <p:cNvPr id="3" name="Text Placeholder 2">
             <a:extLst>
               <a:ext uri="{FF2B5EF4-FFF2-40B4-BE49-F238E27FC236}">
-                <a16:creationId xmlns:a16="http://schemas.microsoft.com/office/drawing/2014/main" id="{DB6E9FEF-0FB6-4D66-82A4-04FCABE319B8}"/>
+                <a16:creationId xmlns:a16="http://schemas.microsoft.com/office/drawing/2014/main" id="{D07B5995-19C1-4150-B407-42E0389E676B}"/>
               </a:ext>
             </a:extLst>
           </p:cNvPr>
@@ -30696,12 +30713,8 @@
           <a:lstStyle/>
           <a:p>
             <a:r>
-              <a:rPr lang="en-US" sz="2800" dirty="0" err="1"/>
-              <a:t>CustomResource</a:t>
-            </a:r>
-            <a:r>
               <a:rPr lang="en-US" sz="2800" dirty="0"/>
-              <a:t> of OpenShift</a:t>
+              <a:t>Complex systems moves from monoliths to microservices</a:t>
             </a:r>
           </a:p>
           <a:p>
@@ -30710,59 +30723,33 @@
           <a:p>
             <a:r>
               <a:rPr lang="en-US" sz="2800" dirty="0"/>
-              <a:t>Control loop</a:t>
-            </a:r>
-          </a:p>
-          <a:p>
-            <a:pPr lvl="1"/>
+              <a:t>Docker becomes software standard</a:t>
+            </a:r>
+          </a:p>
+          <a:p>
+            <a:endParaRPr lang="en-US" sz="2800" dirty="0"/>
+          </a:p>
+          <a:p>
             <a:r>
               <a:rPr lang="en-US" sz="2800" dirty="0"/>
-              <a:t>Watch on objects</a:t>
-            </a:r>
-          </a:p>
-          <a:p>
-            <a:pPr lvl="1"/>
-            <a:r>
-              <a:rPr lang="en-US" sz="2800" dirty="0" err="1"/>
-              <a:t>OnChange</a:t>
-            </a:r>
+              <a:t>Kubernetes or OpenShift as an containers orchestrator</a:t>
+            </a:r>
+          </a:p>
+          <a:p>
+            <a:endParaRPr lang="en-US" sz="2800" dirty="0"/>
+          </a:p>
+          <a:p>
             <a:r>
               <a:rPr lang="en-US" sz="2800" dirty="0"/>
-              <a:t>: analyze difference between actual and desired state</a:t>
-            </a:r>
-          </a:p>
-          <a:p>
-            <a:pPr lvl="1"/>
-            <a:r>
-              <a:rPr lang="en-US" sz="2800" dirty="0"/>
-              <a:t>Act on changes</a:t>
-            </a:r>
-          </a:p>
-          <a:p>
-            <a:endParaRPr lang="en-US" sz="2800" dirty="0"/>
-          </a:p>
-          <a:p>
-            <a:r>
-              <a:rPr lang="en-US" sz="2800" dirty="0"/>
-              <a:t>Example</a:t>
-            </a:r>
-          </a:p>
-          <a:p>
-            <a:pPr lvl="1"/>
-            <a:r>
-              <a:rPr lang="en-US" sz="2800" dirty="0">
-                <a:hlinkClick r:id="rId2"/>
-              </a:rPr>
-              <a:t>https://github.com/operator-framework/operator-sdk-samples/tree/master/memcached-operator</a:t>
-            </a:r>
-            <a:endParaRPr lang="en-US" sz="2800" dirty="0"/>
+              <a:t>Complex orchestrating logic via Kubernetes operators</a:t>
+            </a:r>
           </a:p>
         </p:txBody>
       </p:sp>
     </p:spTree>
     <p:extLst>
       <p:ext uri="{BB962C8B-B14F-4D97-AF65-F5344CB8AC3E}">
-        <p14:creationId xmlns:p14="http://schemas.microsoft.com/office/powerpoint/2010/main" val="2809467079"/>
+        <p14:creationId xmlns:p14="http://schemas.microsoft.com/office/powerpoint/2010/main" val="3720219250"/>
       </p:ext>
     </p:extLst>
   </p:cSld>
@@ -30791,129 +30778,6 @@
       </p:grpSpPr>
       <p:sp>
         <p:nvSpPr>
-          <p:cNvPr id="2" name="Title 1">
-            <a:extLst>
-              <a:ext uri="{FF2B5EF4-FFF2-40B4-BE49-F238E27FC236}">
-                <a16:creationId xmlns:a16="http://schemas.microsoft.com/office/drawing/2014/main" id="{4A7387A9-3CC8-4634-9DFE-5D5E096C6592}"/>
-              </a:ext>
-            </a:extLst>
-          </p:cNvPr>
-          <p:cNvSpPr>
-            <a:spLocks noGrp="1"/>
-          </p:cNvSpPr>
-          <p:nvPr>
-            <p:ph type="title"/>
-          </p:nvPr>
-        </p:nvSpPr>
-        <p:spPr/>
-        <p:txBody>
-          <a:bodyPr/>
-          <a:lstStyle/>
-          <a:p>
-            <a:r>
-              <a:rPr lang="en-US" dirty="0"/>
-              <a:t>Summary</a:t>
-            </a:r>
-          </a:p>
-        </p:txBody>
-      </p:sp>
-      <p:sp>
-        <p:nvSpPr>
-          <p:cNvPr id="3" name="Text Placeholder 2">
-            <a:extLst>
-              <a:ext uri="{FF2B5EF4-FFF2-40B4-BE49-F238E27FC236}">
-                <a16:creationId xmlns:a16="http://schemas.microsoft.com/office/drawing/2014/main" id="{D07B5995-19C1-4150-B407-42E0389E676B}"/>
-              </a:ext>
-            </a:extLst>
-          </p:cNvPr>
-          <p:cNvSpPr>
-            <a:spLocks noGrp="1"/>
-          </p:cNvSpPr>
-          <p:nvPr>
-            <p:ph type="body" sz="quarter" idx="17"/>
-          </p:nvPr>
-        </p:nvSpPr>
-        <p:spPr/>
-        <p:txBody>
-          <a:bodyPr>
-            <a:normAutofit/>
-          </a:bodyPr>
-          <a:lstStyle/>
-          <a:p>
-            <a:r>
-              <a:rPr lang="en-US" sz="2800" dirty="0"/>
-              <a:t>Complex systems moves from monoliths to microservices</a:t>
-            </a:r>
-          </a:p>
-          <a:p>
-            <a:endParaRPr lang="en-US" sz="2800" dirty="0"/>
-          </a:p>
-          <a:p>
-            <a:r>
-              <a:rPr lang="en-US" sz="2800" dirty="0"/>
-              <a:t>Docker becomes software standard</a:t>
-            </a:r>
-          </a:p>
-          <a:p>
-            <a:endParaRPr lang="en-US" sz="2800" dirty="0"/>
-          </a:p>
-          <a:p>
-            <a:r>
-              <a:rPr lang="en-US" sz="2800" dirty="0"/>
-              <a:t>Kubernetes or </a:t>
-            </a:r>
-            <a:r>
-              <a:rPr lang="en-US" sz="2800" dirty="0" err="1"/>
-              <a:t>OpenShif</a:t>
-            </a:r>
-            <a:r>
-              <a:rPr lang="en-US" sz="2800" dirty="0"/>
-              <a:t> as an containers orchestrator</a:t>
-            </a:r>
-          </a:p>
-          <a:p>
-            <a:endParaRPr lang="en-US" sz="2800" dirty="0"/>
-          </a:p>
-          <a:p>
-            <a:r>
-              <a:rPr lang="en-US" sz="2800" dirty="0"/>
-              <a:t>Complex orchestrating logic via Kubernetes operators</a:t>
-            </a:r>
-          </a:p>
-        </p:txBody>
-      </p:sp>
-    </p:spTree>
-    <p:extLst>
-      <p:ext uri="{BB962C8B-B14F-4D97-AF65-F5344CB8AC3E}">
-        <p14:creationId xmlns:p14="http://schemas.microsoft.com/office/powerpoint/2010/main" val="3720219250"/>
-      </p:ext>
-    </p:extLst>
-  </p:cSld>
-  <p:clrMapOvr>
-    <a:masterClrMapping/>
-  </p:clrMapOvr>
-</p:sld>
-</file>
-
-<file path=ppt/slides/slide24.xml><?xml version="1.0" encoding="utf-8"?>
-<p:sld xmlns:a="http://schemas.openxmlformats.org/drawingml/2006/main" xmlns:r="http://schemas.openxmlformats.org/officeDocument/2006/relationships" xmlns:p="http://schemas.openxmlformats.org/presentationml/2006/main">
-  <p:cSld>
-    <p:spTree>
-      <p:nvGrpSpPr>
-        <p:cNvPr id="1" name=""/>
-        <p:cNvGrpSpPr/>
-        <p:nvPr/>
-      </p:nvGrpSpPr>
-      <p:grpSpPr>
-        <a:xfrm>
-          <a:off x="0" y="0"/>
-          <a:ext cx="0" cy="0"/>
-          <a:chOff x="0" y="0"/>
-          <a:chExt cx="0" cy="0"/>
-        </a:xfrm>
-      </p:grpSpPr>
-      <p:sp>
-        <p:nvSpPr>
           <p:cNvPr id="6" name="Title 5">
             <a:extLst>
               <a:ext uri="{FF2B5EF4-FFF2-40B4-BE49-F238E27FC236}">
@@ -31037,7 +30901,7 @@
 </p:sld>
 </file>
 
-<file path=ppt/slides/slide25.xml><?xml version="1.0" encoding="utf-8"?>
+<file path=ppt/slides/slide24.xml><?xml version="1.0" encoding="utf-8"?>
 <p:sld xmlns:a="http://schemas.openxmlformats.org/drawingml/2006/main" xmlns:r="http://schemas.openxmlformats.org/officeDocument/2006/relationships" xmlns:p="http://schemas.openxmlformats.org/presentationml/2006/main">
   <p:cSld>
     <p:spTree>
@@ -31654,7 +31518,7 @@
           <a:graphicData uri="http://schemas.openxmlformats.org/presentationml/2006/ole">
             <mc:AlternateContent xmlns:mc="http://schemas.openxmlformats.org/markup-compatibility/2006">
               <mc:Choice xmlns:v="urn:schemas-microsoft-com:vml" Requires="v">
-                <p:oleObj spid="_x0000_s141369" name="Diapositive think-cell" r:id="rId6" imgW="421" imgH="423" progId="TCLayout.ActiveDocument.1">
+                <p:oleObj spid="_x0000_s141374" name="Diapositive think-cell" r:id="rId6" imgW="421" imgH="423" progId="TCLayout.ActiveDocument.1">
                   <p:embed/>
                 </p:oleObj>
               </mc:Choice>
@@ -32173,81 +32037,14 @@
               <a:t>Image contains everything for run</a:t>
             </a:r>
           </a:p>
-          <a:p>
-            <a:endParaRPr lang="en-US" sz="2800" dirty="0"/>
-          </a:p>
-          <a:p>
-            <a:r>
-              <a:rPr lang="en-US" sz="2800" dirty="0"/>
-              <a:t>Useful for run of multiple applications simultaneously</a:t>
-            </a:r>
-          </a:p>
-        </p:txBody>
-      </p:sp>
-    </p:spTree>
-    <p:extLst>
-      <p:ext uri="{BB962C8B-B14F-4D97-AF65-F5344CB8AC3E}">
-        <p14:creationId xmlns:p14="http://schemas.microsoft.com/office/powerpoint/2010/main" val="3746430412"/>
-      </p:ext>
-    </p:extLst>
-  </p:cSld>
-  <p:clrMapOvr>
-    <a:masterClrMapping/>
-  </p:clrMapOvr>
-</p:sld>
-</file>
-
-<file path=ppt/slides/slide8.xml><?xml version="1.0" encoding="utf-8"?>
-<p:sld xmlns:a="http://schemas.openxmlformats.org/drawingml/2006/main" xmlns:r="http://schemas.openxmlformats.org/officeDocument/2006/relationships" xmlns:p="http://schemas.openxmlformats.org/presentationml/2006/main">
-  <p:cSld>
-    <p:spTree>
-      <p:nvGrpSpPr>
-        <p:cNvPr id="1" name=""/>
-        <p:cNvGrpSpPr/>
-        <p:nvPr/>
-      </p:nvGrpSpPr>
-      <p:grpSpPr>
-        <a:xfrm>
-          <a:off x="0" y="0"/>
-          <a:ext cx="0" cy="0"/>
-          <a:chOff x="0" y="0"/>
-          <a:chExt cx="0" cy="0"/>
-        </a:xfrm>
-      </p:grpSpPr>
-      <p:sp>
-        <p:nvSpPr>
-          <p:cNvPr id="2" name="Title 1">
+        </p:txBody>
+      </p:sp>
+      <p:pic>
+        <p:nvPicPr>
+          <p:cNvPr id="4" name="Picture 3">
             <a:extLst>
               <a:ext uri="{FF2B5EF4-FFF2-40B4-BE49-F238E27FC236}">
-                <a16:creationId xmlns:a16="http://schemas.microsoft.com/office/drawing/2014/main" id="{8D810E6F-7A31-4682-94C5-733C03BA24BF}"/>
-              </a:ext>
-            </a:extLst>
-          </p:cNvPr>
-          <p:cNvSpPr>
-            <a:spLocks noGrp="1"/>
-          </p:cNvSpPr>
-          <p:nvPr>
-            <p:ph type="title"/>
-          </p:nvPr>
-        </p:nvSpPr>
-        <p:spPr/>
-        <p:txBody>
-          <a:bodyPr/>
-          <a:lstStyle/>
-          <a:p>
-            <a:r>
-              <a:rPr lang="en-US" dirty="0"/>
-              <a:t>Microservices</a:t>
-            </a:r>
-          </a:p>
-        </p:txBody>
-      </p:sp>
-      <p:pic>
-        <p:nvPicPr>
-          <p:cNvPr id="5" name="Picture 4">
-            <a:extLst>
-              <a:ext uri="{FF2B5EF4-FFF2-40B4-BE49-F238E27FC236}">
-                <a16:creationId xmlns:a16="http://schemas.microsoft.com/office/drawing/2014/main" id="{B839C88F-E9CD-4134-8C99-4B5B967E9E39}"/>
+                <a16:creationId xmlns:a16="http://schemas.microsoft.com/office/drawing/2014/main" id="{0B357564-0D8E-43EB-8399-D8E35854AD31}"/>
               </a:ext>
             </a:extLst>
           </p:cNvPr>
@@ -32268,8 +32065,8 @@
         </p:blipFill>
         <p:spPr>
           <a:xfrm>
-            <a:off x="1386120" y="1191804"/>
-            <a:ext cx="9419760" cy="5124239"/>
+            <a:off x="6730477" y="1143905"/>
+            <a:ext cx="4898295" cy="2664615"/>
           </a:xfrm>
           <a:prstGeom prst="rect">
             <a:avLst/>
@@ -32283,7 +32080,7 @@
     </p:spTree>
     <p:extLst>
       <p:ext uri="{BB962C8B-B14F-4D97-AF65-F5344CB8AC3E}">
-        <p14:creationId xmlns:p14="http://schemas.microsoft.com/office/powerpoint/2010/main" val="3556827648"/>
+        <p14:creationId xmlns:p14="http://schemas.microsoft.com/office/powerpoint/2010/main" val="3746430412"/>
       </p:ext>
     </p:extLst>
   </p:cSld>
@@ -32293,7 +32090,7 @@
 </p:sld>
 </file>
 
-<file path=ppt/slides/slide9.xml><?xml version="1.0" encoding="utf-8"?>
+<file path=ppt/slides/slide8.xml><?xml version="1.0" encoding="utf-8"?>
 <p:sld xmlns:a="http://schemas.openxmlformats.org/drawingml/2006/main" xmlns:r="http://schemas.openxmlformats.org/officeDocument/2006/relationships" xmlns:p="http://schemas.openxmlformats.org/presentationml/2006/main">
   <p:cSld>
     <p:spTree>
@@ -32330,7 +32127,7 @@
           <a:graphicData uri="http://schemas.openxmlformats.org/presentationml/2006/ole">
             <mc:AlternateContent xmlns:mc="http://schemas.openxmlformats.org/markup-compatibility/2006">
               <mc:Choice xmlns:v="urn:schemas-microsoft-com:vml" Requires="v">
-                <p:oleObj spid="_x0000_s142387" name="Diapositive think-cell" r:id="rId6" imgW="421" imgH="423" progId="TCLayout.ActiveDocument.1">
+                <p:oleObj spid="_x0000_s142392" name="Diapositive think-cell" r:id="rId6" imgW="421" imgH="423" progId="TCLayout.ActiveDocument.1">
                   <p:embed/>
                 </p:oleObj>
               </mc:Choice>
@@ -32733,6 +32530,133 @@
     <p:extLst>
       <p:ext uri="{BB962C8B-B14F-4D97-AF65-F5344CB8AC3E}">
         <p14:creationId xmlns:p14="http://schemas.microsoft.com/office/powerpoint/2010/main" val="2337273095"/>
+      </p:ext>
+    </p:extLst>
+  </p:cSld>
+  <p:clrMapOvr>
+    <a:masterClrMapping/>
+  </p:clrMapOvr>
+</p:sld>
+</file>
+
+<file path=ppt/slides/slide9.xml><?xml version="1.0" encoding="utf-8"?>
+<p:sld xmlns:a="http://schemas.openxmlformats.org/drawingml/2006/main" xmlns:r="http://schemas.openxmlformats.org/officeDocument/2006/relationships" xmlns:p="http://schemas.openxmlformats.org/presentationml/2006/main">
+  <p:cSld>
+    <p:spTree>
+      <p:nvGrpSpPr>
+        <p:cNvPr id="1" name=""/>
+        <p:cNvGrpSpPr/>
+        <p:nvPr/>
+      </p:nvGrpSpPr>
+      <p:grpSpPr>
+        <a:xfrm>
+          <a:off x="0" y="0"/>
+          <a:ext cx="0" cy="0"/>
+          <a:chOff x="0" y="0"/>
+          <a:chExt cx="0" cy="0"/>
+        </a:xfrm>
+      </p:grpSpPr>
+      <p:sp>
+        <p:nvSpPr>
+          <p:cNvPr id="2" name="Title 1">
+            <a:extLst>
+              <a:ext uri="{FF2B5EF4-FFF2-40B4-BE49-F238E27FC236}">
+                <a16:creationId xmlns:a16="http://schemas.microsoft.com/office/drawing/2014/main" id="{4ECF6116-EF17-4C19-872D-6883A8AF71A7}"/>
+              </a:ext>
+            </a:extLst>
+          </p:cNvPr>
+          <p:cNvSpPr>
+            <a:spLocks noGrp="1"/>
+          </p:cNvSpPr>
+          <p:nvPr>
+            <p:ph type="title"/>
+          </p:nvPr>
+        </p:nvSpPr>
+        <p:spPr/>
+        <p:txBody>
+          <a:bodyPr/>
+          <a:lstStyle/>
+          <a:p>
+            <a:r>
+              <a:rPr lang="en-US" dirty="0"/>
+              <a:t>Container orchestration</a:t>
+            </a:r>
+          </a:p>
+        </p:txBody>
+      </p:sp>
+      <p:sp>
+        <p:nvSpPr>
+          <p:cNvPr id="3" name="Text Placeholder 2">
+            <a:extLst>
+              <a:ext uri="{FF2B5EF4-FFF2-40B4-BE49-F238E27FC236}">
+                <a16:creationId xmlns:a16="http://schemas.microsoft.com/office/drawing/2014/main" id="{CD8A2A60-A666-453E-8478-9393E4946D2D}"/>
+              </a:ext>
+            </a:extLst>
+          </p:cNvPr>
+          <p:cNvSpPr>
+            <a:spLocks noGrp="1"/>
+          </p:cNvSpPr>
+          <p:nvPr>
+            <p:ph type="body" sz="quarter" idx="17"/>
+          </p:nvPr>
+        </p:nvSpPr>
+        <p:spPr/>
+        <p:txBody>
+          <a:bodyPr>
+            <a:normAutofit/>
+          </a:bodyPr>
+          <a:lstStyle/>
+          <a:p>
+            <a:r>
+              <a:rPr lang="en-US" sz="2800" dirty="0"/>
+              <a:t>Run and control more containers simultaneously</a:t>
+            </a:r>
+          </a:p>
+          <a:p>
+            <a:endParaRPr lang="en-US" sz="2800" dirty="0"/>
+          </a:p>
+          <a:p>
+            <a:r>
+              <a:rPr lang="en-US" sz="2800" dirty="0"/>
+              <a:t>Maintenance of application cluster state</a:t>
+            </a:r>
+          </a:p>
+          <a:p>
+            <a:endParaRPr lang="en-US" sz="2800" dirty="0"/>
+          </a:p>
+          <a:p>
+            <a:r>
+              <a:rPr lang="en-US" sz="2800" dirty="0"/>
+              <a:t>Examples</a:t>
+            </a:r>
+          </a:p>
+          <a:p>
+            <a:pPr lvl="1"/>
+            <a:r>
+              <a:rPr lang="en-US" sz="2800" dirty="0"/>
+              <a:t>Docker Compose</a:t>
+            </a:r>
+          </a:p>
+          <a:p>
+            <a:pPr lvl="1"/>
+            <a:r>
+              <a:rPr lang="en-US" sz="2800" dirty="0"/>
+              <a:t>Docker Swarm</a:t>
+            </a:r>
+          </a:p>
+          <a:p>
+            <a:pPr lvl="1"/>
+            <a:r>
+              <a:rPr lang="en-US" sz="2800" dirty="0"/>
+              <a:t>Kubernetes/OpenShift</a:t>
+            </a:r>
+          </a:p>
+        </p:txBody>
+      </p:sp>
+    </p:spTree>
+    <p:extLst>
+      <p:ext uri="{BB962C8B-B14F-4D97-AF65-F5344CB8AC3E}">
+        <p14:creationId xmlns:p14="http://schemas.microsoft.com/office/powerpoint/2010/main" val="4247465480"/>
       </p:ext>
     </p:extLst>
   </p:cSld>
@@ -33346,12 +33270,9 @@
 </file>
 
 <file path=customXml/item1.xml><?xml version="1.0" encoding="utf-8"?>
-<?mso-contentType ?>
-<FormTemplates xmlns="http://schemas.microsoft.com/sharepoint/v3/contenttype/forms">
-  <Display>DocumentLibraryForm</Display>
-  <Edit>DocumentLibraryForm</Edit>
-  <New>DocumentLibraryForm</New>
-</FormTemplates>
+<p:properties xmlns:p="http://schemas.microsoft.com/office/2006/metadata/properties" xmlns:xsi="http://www.w3.org/2001/XMLSchema-instance" xmlns:pc="http://schemas.microsoft.com/office/infopath/2007/PartnerControls">
+  <documentManagement/>
+</p:properties>
 </file>
 
 <file path=customXml/item2.xml><?xml version="1.0" encoding="utf-8"?>
@@ -33519,15 +33440,26 @@
 </file>
 
 <file path=customXml/item3.xml><?xml version="1.0" encoding="utf-8"?>
-<p:properties xmlns:p="http://schemas.microsoft.com/office/2006/metadata/properties" xmlns:xsi="http://www.w3.org/2001/XMLSchema-instance" xmlns:pc="http://schemas.microsoft.com/office/infopath/2007/PartnerControls">
-  <documentManagement/>
-</p:properties>
+<?mso-contentType ?>
+<FormTemplates xmlns="http://schemas.microsoft.com/sharepoint/v3/contenttype/forms">
+  <Display>DocumentLibraryForm</Display>
+  <Edit>DocumentLibraryForm</Edit>
+  <New>DocumentLibraryForm</New>
+</FormTemplates>
 </file>
 
 <file path=customXml/itemProps1.xml><?xml version="1.0" encoding="utf-8"?>
-<ds:datastoreItem xmlns:ds="http://schemas.openxmlformats.org/officeDocument/2006/customXml" ds:itemID="{71F5EAB3-8807-4C45-B064-2A4F9EB2E2DA}">
+<ds:datastoreItem xmlns:ds="http://schemas.openxmlformats.org/officeDocument/2006/customXml" ds:itemID="{9482C44C-A80D-4577-ACF3-68366839A07A}">
   <ds:schemaRefs>
-    <ds:schemaRef ds:uri="http://schemas.microsoft.com/sharepoint/v3/contenttype/forms"/>
+    <ds:schemaRef ds:uri="http://purl.org/dc/terms/"/>
+    <ds:schemaRef ds:uri="http://schemas.openxmlformats.org/package/2006/metadata/core-properties"/>
+    <ds:schemaRef ds:uri="http://schemas.microsoft.com/office/2006/documentManagement/types"/>
+    <ds:schemaRef ds:uri="http://schemas.microsoft.com/office/infopath/2007/PartnerControls"/>
+    <ds:schemaRef ds:uri="http://purl.org/dc/elements/1.1/"/>
+    <ds:schemaRef ds:uri="http://schemas.microsoft.com/office/2006/metadata/properties"/>
+    <ds:schemaRef ds:uri="b7cf5ea5-dbd4-4264-9cbd-1657fe4f88b3"/>
+    <ds:schemaRef ds:uri="http://www.w3.org/XML/1998/namespace"/>
+    <ds:schemaRef ds:uri="http://purl.org/dc/dcmitype/"/>
   </ds:schemaRefs>
 </ds:datastoreItem>
 </file>
@@ -33551,17 +33483,9 @@
 </file>
 
 <file path=customXml/itemProps3.xml><?xml version="1.0" encoding="utf-8"?>
-<ds:datastoreItem xmlns:ds="http://schemas.openxmlformats.org/officeDocument/2006/customXml" ds:itemID="{9482C44C-A80D-4577-ACF3-68366839A07A}">
+<ds:datastoreItem xmlns:ds="http://schemas.openxmlformats.org/officeDocument/2006/customXml" ds:itemID="{71F5EAB3-8807-4C45-B064-2A4F9EB2E2DA}">
   <ds:schemaRefs>
-    <ds:schemaRef ds:uri="http://purl.org/dc/terms/"/>
-    <ds:schemaRef ds:uri="http://schemas.openxmlformats.org/package/2006/metadata/core-properties"/>
-    <ds:schemaRef ds:uri="http://schemas.microsoft.com/office/2006/documentManagement/types"/>
-    <ds:schemaRef ds:uri="http://schemas.microsoft.com/office/infopath/2007/PartnerControls"/>
-    <ds:schemaRef ds:uri="http://purl.org/dc/elements/1.1/"/>
-    <ds:schemaRef ds:uri="http://schemas.microsoft.com/office/2006/metadata/properties"/>
-    <ds:schemaRef ds:uri="b7cf5ea5-dbd4-4264-9cbd-1657fe4f88b3"/>
-    <ds:schemaRef ds:uri="http://www.w3.org/XML/1998/namespace"/>
-    <ds:schemaRef ds:uri="http://purl.org/dc/dcmitype/"/>
+    <ds:schemaRef ds:uri="http://schemas.microsoft.com/sharepoint/v3/contenttype/forms"/>
   </ds:schemaRefs>
 </ds:datastoreItem>
 </file>